--- a/documentatie/c#presentatie.pptx
+++ b/documentatie/c#presentatie.pptx
@@ -5,10 +5,10 @@
     <p:sldMasterId id="2147483648" r:id="rId2"/>
   </p:sldMasterIdLst>
   <p:notesMasterIdLst>
-    <p:notesMasterId r:id="rId8"/>
+    <p:notesMasterId r:id="rId10"/>
   </p:notesMasterIdLst>
   <p:handoutMasterIdLst>
-    <p:handoutMasterId r:id="rId9"/>
+    <p:handoutMasterId r:id="rId11"/>
   </p:handoutMasterIdLst>
   <p:sldIdLst>
     <p:sldId id="261" r:id="rId3"/>
@@ -16,6 +16,8 @@
     <p:sldId id="262" r:id="rId5"/>
     <p:sldId id="267" r:id="rId6"/>
     <p:sldId id="268" r:id="rId7"/>
+    <p:sldId id="269" r:id="rId8"/>
+    <p:sldId id="270" r:id="rId9"/>
   </p:sldIdLst>
   <p:sldSz cx="12192000" cy="6858000"/>
   <p:notesSz cx="6858000" cy="9144000"/>
@@ -145,6 +147,24 @@
     </a:lvl9pPr>
   </p:defaultTextStyle>
   <p:extLst>
+    <p:ext uri="{521415D9-36F7-43E2-AB2F-B90AF26B5E84}">
+      <p14:sectionLst xmlns:p14="http://schemas.microsoft.com/office/powerpoint/2010/main">
+        <p14:section name="Standaardsectie" id="{839534E0-D4D1-43C9-9359-0FDB32428D5E}">
+          <p14:sldIdLst>
+            <p14:sldId id="261"/>
+            <p14:sldId id="257"/>
+            <p14:sldId id="262"/>
+            <p14:sldId id="267"/>
+            <p14:sldId id="268"/>
+            <p14:sldId id="269"/>
+            <p14:sldId id="270"/>
+          </p14:sldIdLst>
+        </p14:section>
+        <p14:section name="Naamloze sectie" id="{72027E82-FEA5-4F61-9D56-0FEDE88FD309}">
+          <p14:sldIdLst/>
+        </p14:section>
+      </p14:sectionLst>
+    </p:ext>
     <p:ext uri="{EFAFB233-063F-42B5-8137-9DF3F51BA10A}">
       <p15:sldGuideLst xmlns:p15="http://schemas.microsoft.com/office/powerpoint/2012/main">
         <p15:guide id="1" orient="horz" pos="2160">
@@ -16479,7 +16499,38 @@
           <a:bodyPr/>
           <a:lstStyle/>
           <a:p>
-            <a:endParaRPr lang="nl-NL" sz="3200" dirty="0"/>
+            <a:r>
+              <a:rPr lang="nl-NL" sz="3200" dirty="0"/>
+              <a:t>Registreren</a:t>
+            </a:r>
+          </a:p>
+          <a:p>
+            <a:r>
+              <a:rPr lang="nl-NL" sz="3200" dirty="0"/>
+              <a:t>Login</a:t>
+            </a:r>
+          </a:p>
+          <a:p>
+            <a:r>
+              <a:rPr lang="nl-NL" sz="3200" dirty="0" err="1"/>
+              <a:t>Admin</a:t>
+            </a:r>
+            <a:r>
+              <a:rPr lang="nl-NL" sz="3200" dirty="0"/>
+              <a:t> paneel</a:t>
+            </a:r>
+          </a:p>
+          <a:p>
+            <a:r>
+              <a:rPr lang="nl-NL" sz="3200" dirty="0"/>
+              <a:t>Spelersranglijst</a:t>
+            </a:r>
+          </a:p>
+          <a:p>
+            <a:r>
+              <a:rPr lang="nl-NL" sz="3200" dirty="0"/>
+              <a:t>Wedstrijd resultaten</a:t>
+            </a:r>
           </a:p>
         </p:txBody>
       </p:sp>
@@ -16487,6 +16538,162 @@
     <p:extLst>
       <p:ext uri="{BB962C8B-B14F-4D97-AF65-F5344CB8AC3E}">
         <p14:creationId xmlns:p14="http://schemas.microsoft.com/office/powerpoint/2010/main" val="1365439854"/>
+      </p:ext>
+    </p:extLst>
+  </p:cSld>
+  <p:clrMapOvr>
+    <a:masterClrMapping/>
+  </p:clrMapOvr>
+  <p:transition spd="med">
+    <p:fade/>
+  </p:transition>
+</p:sld>
+</file>
+
+<file path=ppt/slides/slide6.xml><?xml version="1.0" encoding="utf-8"?>
+<p:sld xmlns:a="http://schemas.openxmlformats.org/drawingml/2006/main" xmlns:r="http://schemas.openxmlformats.org/officeDocument/2006/relationships" xmlns:p="http://schemas.openxmlformats.org/presentationml/2006/main">
+  <p:cSld>
+    <p:spTree>
+      <p:nvGrpSpPr>
+        <p:cNvPr id="1" name=""/>
+        <p:cNvGrpSpPr/>
+        <p:nvPr/>
+      </p:nvGrpSpPr>
+      <p:grpSpPr>
+        <a:xfrm>
+          <a:off x="0" y="0"/>
+          <a:ext cx="0" cy="0"/>
+          <a:chOff x="0" y="0"/>
+          <a:chExt cx="0" cy="0"/>
+        </a:xfrm>
+      </p:grpSpPr>
+      <p:sp>
+        <p:nvSpPr>
+          <p:cNvPr id="2" name="Titel 1"/>
+          <p:cNvSpPr>
+            <a:spLocks noGrp="1"/>
+          </p:cNvSpPr>
+          <p:nvPr>
+            <p:ph type="title"/>
+          </p:nvPr>
+        </p:nvSpPr>
+        <p:spPr/>
+        <p:txBody>
+          <a:bodyPr/>
+          <a:lstStyle/>
+          <a:p>
+            <a:r>
+              <a:rPr lang="nl-NL" sz="4800" dirty="0"/>
+              <a:t>Demo applicatie</a:t>
+            </a:r>
+          </a:p>
+        </p:txBody>
+      </p:sp>
+      <p:pic>
+        <p:nvPicPr>
+          <p:cNvPr id="5" name="Afbeelding 4"/>
+          <p:cNvPicPr>
+            <a:picLocks noChangeAspect="1"/>
+          </p:cNvPicPr>
+          <p:nvPr/>
+        </p:nvPicPr>
+        <p:blipFill>
+          <a:blip r:embed="rId2"/>
+          <a:stretch>
+            <a:fillRect/>
+          </a:stretch>
+        </p:blipFill>
+        <p:spPr>
+          <a:xfrm>
+            <a:off x="947737" y="1628775"/>
+            <a:ext cx="10296525" cy="3600450"/>
+          </a:xfrm>
+          <a:prstGeom prst="rect">
+            <a:avLst/>
+          </a:prstGeom>
+        </p:spPr>
+      </p:pic>
+    </p:spTree>
+    <p:extLst>
+      <p:ext uri="{BB962C8B-B14F-4D97-AF65-F5344CB8AC3E}">
+        <p14:creationId xmlns:p14="http://schemas.microsoft.com/office/powerpoint/2010/main" val="342507263"/>
+      </p:ext>
+    </p:extLst>
+  </p:cSld>
+  <p:clrMapOvr>
+    <a:masterClrMapping/>
+  </p:clrMapOvr>
+  <p:transition spd="med">
+    <p:fade/>
+  </p:transition>
+</p:sld>
+</file>
+
+<file path=ppt/slides/slide7.xml><?xml version="1.0" encoding="utf-8"?>
+<p:sld xmlns:a="http://schemas.openxmlformats.org/drawingml/2006/main" xmlns:r="http://schemas.openxmlformats.org/officeDocument/2006/relationships" xmlns:p="http://schemas.openxmlformats.org/presentationml/2006/main">
+  <p:cSld>
+    <p:spTree>
+      <p:nvGrpSpPr>
+        <p:cNvPr id="1" name=""/>
+        <p:cNvGrpSpPr/>
+        <p:nvPr/>
+      </p:nvGrpSpPr>
+      <p:grpSpPr>
+        <a:xfrm>
+          <a:off x="0" y="0"/>
+          <a:ext cx="0" cy="0"/>
+          <a:chOff x="0" y="0"/>
+          <a:chExt cx="0" cy="0"/>
+        </a:xfrm>
+      </p:grpSpPr>
+      <p:sp>
+        <p:nvSpPr>
+          <p:cNvPr id="3" name="Titel 2"/>
+          <p:cNvSpPr>
+            <a:spLocks noGrp="1"/>
+          </p:cNvSpPr>
+          <p:nvPr>
+            <p:ph type="title"/>
+          </p:nvPr>
+        </p:nvSpPr>
+        <p:spPr/>
+        <p:txBody>
+          <a:bodyPr/>
+          <a:lstStyle/>
+          <a:p>
+            <a:r>
+              <a:rPr lang="nl-NL" sz="4800" dirty="0"/>
+              <a:t>Conclusie</a:t>
+            </a:r>
+          </a:p>
+        </p:txBody>
+      </p:sp>
+      <p:sp>
+        <p:nvSpPr>
+          <p:cNvPr id="5" name="Tijdelijke aanduiding voor inhoud 4"/>
+          <p:cNvSpPr>
+            <a:spLocks noGrp="1"/>
+          </p:cNvSpPr>
+          <p:nvPr>
+            <p:ph idx="1"/>
+          </p:nvPr>
+        </p:nvSpPr>
+        <p:spPr/>
+        <p:txBody>
+          <a:bodyPr/>
+          <a:lstStyle/>
+          <a:p>
+            <a:r>
+              <a:rPr lang="nl-NL" sz="3200" dirty="0"/>
+              <a:t>Eindproduct.</a:t>
+            </a:r>
+          </a:p>
+        </p:txBody>
+      </p:sp>
+    </p:spTree>
+    <p:extLst>
+      <p:ext uri="{BB962C8B-B14F-4D97-AF65-F5344CB8AC3E}">
+        <p14:creationId xmlns:p14="http://schemas.microsoft.com/office/powerpoint/2010/main" val="3861081052"/>
       </p:ext>
     </p:extLst>
   </p:cSld>

--- a/documentatie/c#presentatie.pptx
+++ b/documentatie/c#presentatie.pptx
@@ -297,7 +297,7 @@
               <a:pPr>
                 <a:defRPr/>
               </a:pPr>
-              <a:t>8-6-2017</a:t>
+              <a:t>14-6-2017</a:t>
             </a:fld>
             <a:endParaRPr lang="nl-NL" dirty="0"/>
           </a:p>
@@ -503,7 +503,7 @@
               <a:pPr>
                 <a:defRPr/>
               </a:pPr>
-              <a:t>8-6-2017</a:t>
+              <a:t>14-6-2017</a:t>
             </a:fld>
             <a:endParaRPr lang="nl-NL" dirty="0"/>
           </a:p>
@@ -3513,7 +3513,7 @@
               <a:pPr>
                 <a:defRPr/>
               </a:pPr>
-              <a:t>8-6-2017</a:t>
+              <a:t>14-6-2017</a:t>
             </a:fld>
             <a:endParaRPr lang="nl-NL" dirty="0"/>
           </a:p>
@@ -3718,7 +3718,7 @@
               <a:pPr>
                 <a:defRPr/>
               </a:pPr>
-              <a:t>8-6-2017</a:t>
+              <a:t>14-6-2017</a:t>
             </a:fld>
             <a:endParaRPr lang="nl-NL" dirty="0"/>
           </a:p>
@@ -3913,7 +3913,7 @@
               <a:pPr>
                 <a:defRPr/>
               </a:pPr>
-              <a:t>8-6-2017</a:t>
+              <a:t>14-6-2017</a:t>
             </a:fld>
             <a:endParaRPr lang="nl-NL" dirty="0"/>
           </a:p>
@@ -6267,7 +6267,7 @@
               <a:pPr>
                 <a:defRPr/>
               </a:pPr>
-              <a:t>8-6-2017</a:t>
+              <a:t>14-6-2017</a:t>
             </a:fld>
             <a:endParaRPr lang="nl-NL" dirty="0"/>
           </a:p>
@@ -6732,7 +6732,7 @@
               <a:pPr>
                 <a:defRPr/>
               </a:pPr>
-              <a:t>8-6-2017</a:t>
+              <a:t>14-6-2017</a:t>
             </a:fld>
             <a:endParaRPr lang="nl-NL" dirty="0"/>
           </a:p>
@@ -6875,7 +6875,7 @@
               <a:pPr>
                 <a:defRPr/>
               </a:pPr>
-              <a:t>8-6-2017</a:t>
+              <a:t>14-6-2017</a:t>
             </a:fld>
             <a:endParaRPr lang="nl-NL" dirty="0"/>
           </a:p>
@@ -8828,7 +8828,7 @@
               <a:pPr>
                 <a:defRPr/>
               </a:pPr>
-              <a:t>8-6-2017</a:t>
+              <a:t>14-6-2017</a:t>
             </a:fld>
             <a:endParaRPr lang="nl-NL" dirty="0"/>
           </a:p>
@@ -11105,7 +11105,7 @@
               <a:pPr>
                 <a:defRPr/>
               </a:pPr>
-              <a:t>8-6-2017</a:t>
+              <a:t>14-6-2017</a:t>
             </a:fld>
             <a:endParaRPr lang="nl-NL" dirty="0"/>
           </a:p>
@@ -15426,7 +15426,7 @@
               <a:pPr>
                 <a:defRPr/>
               </a:pPr>
-              <a:t>8-6-2017</a:t>
+              <a:t>14-6-2017</a:t>
             </a:fld>
             <a:endParaRPr lang="nl-NL" dirty="0"/>
           </a:p>
@@ -16211,8 +16211,13 @@
             </a:pPr>
             <a:r>
               <a:rPr lang="nl-NL" sz="3200" dirty="0"/>
-              <a:t>Doel van de applicatie</a:t>
+              <a:t>Doel van de  </a:t>
             </a:r>
+            <a:r>
+              <a:rPr lang="nl-NL" sz="3200" dirty="0" err="1"/>
+              <a:t>web-applicatie</a:t>
+            </a:r>
+            <a:endParaRPr lang="nl-NL" sz="3200" dirty="0"/>
           </a:p>
           <a:p>
             <a:pPr>
@@ -16222,8 +16227,13 @@
             </a:pPr>
             <a:r>
               <a:rPr lang="nl-NL" sz="3200" dirty="0"/>
-              <a:t>Eisen aan de applicatie</a:t>
+              <a:t>Eisen aan de </a:t>
             </a:r>
+            <a:r>
+              <a:rPr lang="nl-NL" sz="3200" dirty="0" err="1"/>
+              <a:t>web-applicatie</a:t>
+            </a:r>
+            <a:endParaRPr lang="nl-NL" sz="3200" dirty="0"/>
           </a:p>
           <a:p>
             <a:pPr>
@@ -16323,21 +16333,63 @@
           <a:lstStyle/>
           <a:p>
             <a:r>
+              <a:rPr lang="en-US" sz="3200" dirty="0"/>
+              <a:t>T</a:t>
+            </a:r>
+            <a:r>
+              <a:rPr lang="nl-NL" sz="3200" dirty="0" err="1"/>
+              <a:t>eams</a:t>
+            </a:r>
+            <a:r>
               <a:rPr lang="nl-NL" sz="3200" dirty="0"/>
-              <a:t>Wedden</a:t>
+              <a:t> invoeren</a:t>
             </a:r>
           </a:p>
           <a:p>
             <a:r>
+              <a:rPr lang="en-US" sz="3200" dirty="0"/>
+              <a:t>P</a:t>
+            </a:r>
+            <a:r>
+              <a:rPr lang="nl-NL" sz="3200" dirty="0" err="1"/>
+              <a:t>ouls</a:t>
+            </a:r>
+            <a:r>
               <a:rPr lang="nl-NL" sz="3200" dirty="0"/>
-              <a:t>Puntentelling</a:t>
+              <a:t> genereren </a:t>
             </a:r>
           </a:p>
           <a:p>
             <a:r>
-              <a:rPr lang="nl-NL" sz="3200" dirty="0"/>
-              <a:t>Ranglijst</a:t>
+              <a:rPr lang="en-US" sz="3200" dirty="0" err="1"/>
+              <a:t>Wedstrijden</a:t>
             </a:r>
+            <a:r>
+              <a:rPr lang="en-US" sz="3200" dirty="0"/>
+              <a:t> </a:t>
+            </a:r>
+            <a:r>
+              <a:rPr lang="en-US" sz="3200" dirty="0" err="1"/>
+              <a:t>bekijken</a:t>
+            </a:r>
+            <a:endParaRPr lang="en-US" sz="3200" dirty="0"/>
+          </a:p>
+          <a:p>
+            <a:r>
+              <a:rPr lang="en-US" sz="3200" dirty="0"/>
+              <a:t>Scores </a:t>
+            </a:r>
+            <a:r>
+              <a:rPr lang="en-US" sz="3200" dirty="0" err="1"/>
+              <a:t>invoeren</a:t>
+            </a:r>
+            <a:r>
+              <a:rPr lang="en-US" sz="3200" dirty="0"/>
+              <a:t> </a:t>
+            </a:r>
+          </a:p>
+          <a:p>
+            <a:endParaRPr lang="nl-NL" sz="3200" dirty="0"/>
           </a:p>
           <a:p>
             <a:endParaRPr lang="nl-NL" dirty="0"/>
@@ -16410,27 +16462,84 @@
           <a:lstStyle/>
           <a:p>
             <a:r>
+              <a:rPr lang="en-US" sz="3200" dirty="0"/>
+              <a:t>I</a:t>
+            </a:r>
+            <a:r>
+              <a:rPr lang="nl-NL" sz="3200" dirty="0" err="1"/>
+              <a:t>nloggen</a:t>
+            </a:r>
+            <a:endParaRPr lang="nl-NL" sz="3200" dirty="0"/>
+          </a:p>
+          <a:p>
+            <a:r>
+              <a:rPr lang="en-US" sz="3200" dirty="0"/>
+              <a:t>R</a:t>
+            </a:r>
+            <a:r>
+              <a:rPr lang="nl-NL" sz="3200" dirty="0" err="1"/>
+              <a:t>egistreren</a:t>
+            </a:r>
+            <a:endParaRPr lang="nl-NL" sz="3200" dirty="0"/>
+          </a:p>
+          <a:p>
+            <a:r>
+              <a:rPr lang="en-US" sz="3200" dirty="0" err="1"/>
+              <a:t>Lijst</a:t>
+            </a:r>
+            <a:r>
+              <a:rPr lang="en-US" sz="3200" dirty="0"/>
+              <a:t> met </a:t>
+            </a:r>
+            <a:r>
+              <a:rPr lang="en-US" sz="3200" dirty="0" err="1"/>
+              <a:t>wedstrijden</a:t>
+            </a:r>
+            <a:r>
+              <a:rPr lang="en-US" sz="3200" dirty="0"/>
+              <a:t> </a:t>
+            </a:r>
+            <a:endParaRPr lang="nl-NL" sz="3200" dirty="0"/>
+          </a:p>
+          <a:p>
+            <a:r>
+              <a:rPr lang="en-US" sz="3200" dirty="0"/>
+              <a:t>S</a:t>
+            </a:r>
+            <a:r>
+              <a:rPr lang="nl-NL" sz="3200" dirty="0" err="1"/>
+              <a:t>cores</a:t>
+            </a:r>
+            <a:r>
               <a:rPr lang="nl-NL" sz="3200" dirty="0"/>
-              <a:t>Loginsysteem</a:t>
+              <a:t> inzien en invoeren</a:t>
             </a:r>
           </a:p>
           <a:p>
             <a:r>
-              <a:rPr lang="nl-NL" sz="3200" dirty="0"/>
-              <a:t>Wedsysteem</a:t>
+              <a:rPr lang="en-US" sz="3200" dirty="0"/>
+              <a:t>Admin </a:t>
             </a:r>
+            <a:r>
+              <a:rPr lang="en-US" sz="3200" dirty="0" err="1"/>
+              <a:t>rechten</a:t>
+            </a:r>
+            <a:endParaRPr lang="nl-NL" sz="3200" dirty="0"/>
           </a:p>
           <a:p>
             <a:r>
-              <a:rPr lang="nl-NL" sz="3200" dirty="0"/>
-              <a:t>Wedstrijdresultaten</a:t>
+              <a:rPr lang="en-US" sz="3200" dirty="0" err="1"/>
+              <a:t>Eind</a:t>
             </a:r>
-          </a:p>
-          <a:p>
             <a:r>
-              <a:rPr lang="nl-NL" sz="3200" dirty="0"/>
-              <a:t>Ranglijst</a:t>
+              <a:rPr lang="en-US" sz="3200" dirty="0"/>
+              <a:t> score </a:t>
             </a:r>
+            <a:r>
+              <a:rPr lang="en-US" sz="3200" dirty="0" err="1"/>
+              <a:t>wedstrijd</a:t>
+            </a:r>
+            <a:endParaRPr lang="nl-NL" sz="3200" dirty="0"/>
           </a:p>
         </p:txBody>
       </p:sp>
@@ -16589,30 +16698,6 @@
           </a:p>
         </p:txBody>
       </p:sp>
-      <p:pic>
-        <p:nvPicPr>
-          <p:cNvPr id="5" name="Afbeelding 4"/>
-          <p:cNvPicPr>
-            <a:picLocks noChangeAspect="1"/>
-          </p:cNvPicPr>
-          <p:nvPr/>
-        </p:nvPicPr>
-        <p:blipFill>
-          <a:blip r:embed="rId2"/>
-          <a:stretch>
-            <a:fillRect/>
-          </a:stretch>
-        </p:blipFill>
-        <p:spPr>
-          <a:xfrm>
-            <a:off x="947737" y="1628775"/>
-            <a:ext cx="10296525" cy="3600450"/>
-          </a:xfrm>
-          <a:prstGeom prst="rect">
-            <a:avLst/>
-          </a:prstGeom>
-        </p:spPr>
-      </p:pic>
     </p:spTree>
     <p:extLst>
       <p:ext uri="{BB962C8B-B14F-4D97-AF65-F5344CB8AC3E}">
